--- a/powerpoints/Sprint 3.pptx
+++ b/powerpoints/Sprint 3.pptx
@@ -785,7 +785,7 @@
             <a:fld id="{311E0681-7B6F-4D48-B5E6-05F633460164}" type="datetimeFigureOut">
               <a:rPr lang="en-US" smtClean="0"/>
               <a:pPr/>
-              <a:t>3/15/2015</a:t>
+              <a:t>3/16/2015</a:t>
             </a:fld>
             <a:endParaRPr lang="en-US"/>
           </a:p>
@@ -970,7 +970,7 @@
             <a:fld id="{311E0681-7B6F-4D48-B5E6-05F633460164}" type="datetimeFigureOut">
               <a:rPr lang="en-US" smtClean="0"/>
               <a:pPr/>
-              <a:t>3/15/2015</a:t>
+              <a:t>3/16/2015</a:t>
             </a:fld>
             <a:endParaRPr lang="en-US"/>
           </a:p>
@@ -1147,7 +1147,7 @@
             <a:fld id="{311E0681-7B6F-4D48-B5E6-05F633460164}" type="datetimeFigureOut">
               <a:rPr lang="en-US" smtClean="0"/>
               <a:pPr/>
-              <a:t>3/15/2015</a:t>
+              <a:t>3/16/2015</a:t>
             </a:fld>
             <a:endParaRPr lang="en-US"/>
           </a:p>
@@ -1314,7 +1314,7 @@
             <a:fld id="{311E0681-7B6F-4D48-B5E6-05F633460164}" type="datetimeFigureOut">
               <a:rPr lang="en-US" smtClean="0"/>
               <a:pPr/>
-              <a:t>3/15/2015</a:t>
+              <a:t>3/16/2015</a:t>
             </a:fld>
             <a:endParaRPr lang="en-US"/>
           </a:p>
@@ -1537,7 +1537,7 @@
             <a:fld id="{311E0681-7B6F-4D48-B5E6-05F633460164}" type="datetimeFigureOut">
               <a:rPr lang="en-US" smtClean="0"/>
               <a:pPr/>
-              <a:t>3/15/2015</a:t>
+              <a:t>3/16/2015</a:t>
             </a:fld>
             <a:endParaRPr lang="en-US"/>
           </a:p>
@@ -1798,7 +1798,7 @@
             <a:fld id="{311E0681-7B6F-4D48-B5E6-05F633460164}" type="datetimeFigureOut">
               <a:rPr lang="en-US" smtClean="0"/>
               <a:pPr/>
-              <a:t>3/15/2015</a:t>
+              <a:t>3/16/2015</a:t>
             </a:fld>
             <a:endParaRPr lang="en-US"/>
           </a:p>
@@ -2204,7 +2204,7 @@
             <a:fld id="{311E0681-7B6F-4D48-B5E6-05F633460164}" type="datetimeFigureOut">
               <a:rPr lang="en-US" smtClean="0"/>
               <a:pPr/>
-              <a:t>3/15/2015</a:t>
+              <a:t>3/16/2015</a:t>
             </a:fld>
             <a:endParaRPr lang="en-US"/>
           </a:p>
@@ -2337,7 +2337,7 @@
             <a:fld id="{311E0681-7B6F-4D48-B5E6-05F633460164}" type="datetimeFigureOut">
               <a:rPr lang="en-US" smtClean="0"/>
               <a:pPr/>
-              <a:t>3/15/2015</a:t>
+              <a:t>3/16/2015</a:t>
             </a:fld>
             <a:endParaRPr lang="en-US"/>
           </a:p>
@@ -2439,7 +2439,7 @@
             <a:fld id="{311E0681-7B6F-4D48-B5E6-05F633460164}" type="datetimeFigureOut">
               <a:rPr lang="en-US" smtClean="0"/>
               <a:pPr/>
-              <a:t>3/15/2015</a:t>
+              <a:t>3/16/2015</a:t>
             </a:fld>
             <a:endParaRPr lang="en-US"/>
           </a:p>
@@ -2686,7 +2686,7 @@
             <a:fld id="{311E0681-7B6F-4D48-B5E6-05F633460164}" type="datetimeFigureOut">
               <a:rPr lang="en-US" smtClean="0"/>
               <a:pPr/>
-              <a:t>3/15/2015</a:t>
+              <a:t>3/16/2015</a:t>
             </a:fld>
             <a:endParaRPr lang="en-US"/>
           </a:p>
@@ -2932,7 +2932,7 @@
             <a:fld id="{311E0681-7B6F-4D48-B5E6-05F633460164}" type="datetimeFigureOut">
               <a:rPr lang="en-US" smtClean="0"/>
               <a:pPr/>
-              <a:t>3/15/2015</a:t>
+              <a:t>3/16/2015</a:t>
             </a:fld>
             <a:endParaRPr lang="en-US"/>
           </a:p>
@@ -3758,7 +3758,7 @@
             <a:fld id="{311E0681-7B6F-4D48-B5E6-05F633460164}" type="datetimeFigureOut">
               <a:rPr lang="en-US" smtClean="0"/>
               <a:pPr/>
-              <a:t>3/15/2015</a:t>
+              <a:t>3/16/2015</a:t>
             </a:fld>
             <a:endParaRPr lang="en-US"/>
           </a:p>
@@ -4267,7 +4267,7 @@
         <p:spPr>
           <a:xfrm>
             <a:off x="5105400" y="2895600"/>
-            <a:ext cx="3025187" cy="646331"/>
+            <a:ext cx="3050835" cy="646331"/>
           </a:xfrm>
           <a:prstGeom prst="rect">
             <a:avLst/>
@@ -4290,7 +4290,7 @@
             </a:r>
             <a:r>
               <a:rPr lang="en-US" dirty="0" smtClean="0"/>
-              <a:t>23</a:t>
+              <a:t>20</a:t>
             </a:r>
             <a:endParaRPr lang="en-US" dirty="0" smtClean="0"/>
           </a:p>
@@ -4305,7 +4305,7 @@
             </a:r>
             <a:r>
               <a:rPr lang="en-US" dirty="0" smtClean="0"/>
-              <a:t>23</a:t>
+              <a:t>20</a:t>
             </a:r>
             <a:endParaRPr lang="en-US" dirty="0"/>
           </a:p>
@@ -4313,13 +4313,11 @@
       </p:sp>
       <p:pic>
         <p:nvPicPr>
-          <p:cNvPr id="5" name="Content Placeholder 4"/>
+          <p:cNvPr id="4" name="Picture 3"/>
           <p:cNvPicPr>
-            <a:picLocks noGrp="1" noChangeAspect="1"/>
+            <a:picLocks noChangeAspect="1"/>
           </p:cNvPicPr>
-          <p:nvPr>
-            <p:ph idx="1"/>
-          </p:nvPr>
+          <p:nvPr/>
         </p:nvPicPr>
         <p:blipFill>
           <a:blip r:embed="rId2">
@@ -4335,35 +4333,8 @@
         </p:blipFill>
         <p:spPr>
           <a:xfrm>
-            <a:off x="439003" y="1524000"/>
-            <a:ext cx="2743200" cy="3730753"/>
-          </a:xfrm>
-        </p:spPr>
-      </p:pic>
-      <p:pic>
-        <p:nvPicPr>
-          <p:cNvPr id="6" name="Picture 5"/>
-          <p:cNvPicPr>
-            <a:picLocks noChangeAspect="1"/>
-          </p:cNvPicPr>
-          <p:nvPr/>
-        </p:nvPicPr>
-        <p:blipFill>
-          <a:blip r:embed="rId3">
-            <a:extLst>
-              <a:ext uri="{28A0092B-C50C-407E-A947-70E740481C1C}">
-                <a14:useLocalDpi xmlns:a14="http://schemas.microsoft.com/office/drawing/2010/main" val="0"/>
-              </a:ext>
-            </a:extLst>
-          </a:blip>
-          <a:stretch>
-            <a:fillRect/>
-          </a:stretch>
-        </p:blipFill>
-        <p:spPr>
-          <a:xfrm>
-            <a:off x="439003" y="5181600"/>
-            <a:ext cx="2743200" cy="1286539"/>
+            <a:off x="609599" y="1665244"/>
+            <a:ext cx="2884829" cy="4583156"/>
           </a:xfrm>
           <a:prstGeom prst="rect">
             <a:avLst/>
@@ -4542,14 +4513,12 @@
               <a:rPr lang="en-US" dirty="0" smtClean="0"/>
               <a:t>ShippingCalc.java</a:t>
             </a:r>
-            <a:endParaRPr lang="en-US" dirty="0" smtClean="0"/>
           </a:p>
           <a:p>
             <a:r>
               <a:rPr lang="en-US" dirty="0" smtClean="0"/>
               <a:t>WritePizzaArgs.java</a:t>
             </a:r>
-            <a:endParaRPr lang="en-US" dirty="0" smtClean="0"/>
           </a:p>
           <a:p>
             <a:r>
